--- a/Презентация1.pptx
+++ b/Презентация1.pptx
@@ -12,9 +12,10 @@
     <p:sldId id="261" r:id="rId6"/>
     <p:sldId id="262" r:id="rId7"/>
     <p:sldId id="263" r:id="rId8"/>
-    <p:sldId id="264" r:id="rId9"/>
-    <p:sldId id="265" r:id="rId10"/>
-    <p:sldId id="266" r:id="rId11"/>
+    <p:sldId id="267" r:id="rId9"/>
+    <p:sldId id="268" r:id="rId10"/>
+    <p:sldId id="264" r:id="rId11"/>
+    <p:sldId id="266" r:id="rId12"/>
   </p:sldIdLst>
   <p:sldSz cx="12192000" cy="6858000"/>
   <p:notesSz cx="6858000" cy="9144000"/>
@@ -4423,6 +4424,73 @@
           <p:cNvPr id="2" name="Прямоугольник 1">
             <a:extLst>
               <a:ext uri="{FF2B5EF4-FFF2-40B4-BE49-F238E27FC236}">
+                <a16:creationId xmlns="" xmlns:a16="http://schemas.microsoft.com/office/drawing/2014/main" id="{7A46A4CB-CCF0-4677-BF30-24573D3388F6}"/>
+              </a:ext>
+            </a:extLst>
+          </p:cNvPr>
+          <p:cNvSpPr/>
+          <p:nvPr/>
+        </p:nvSpPr>
+        <p:spPr>
+          <a:xfrm>
+            <a:off x="239874" y="249685"/>
+            <a:ext cx="8808373" cy="584775"/>
+          </a:xfrm>
+          <a:prstGeom prst="rect">
+            <a:avLst/>
+          </a:prstGeom>
+        </p:spPr>
+        <p:txBody>
+          <a:bodyPr wrap="none">
+            <a:spAutoFit/>
+          </a:bodyPr>
+          <a:lstStyle/>
+          <a:p>
+            <a:r>
+              <a:rPr lang="ru-RU" sz="3200" b="1" dirty="0">
+                <a:latin typeface="Arial" panose="020B0604020202020204" pitchFamily="34" charset="0"/>
+                <a:cs typeface="Arial" panose="020B0604020202020204" pitchFamily="34" charset="0"/>
+              </a:rPr>
+              <a:t>Разработка клиентской части приложения</a:t>
+            </a:r>
+          </a:p>
+        </p:txBody>
+      </p:sp>
+    </p:spTree>
+    <p:extLst>
+      <p:ext uri="{BB962C8B-B14F-4D97-AF65-F5344CB8AC3E}">
+        <p14:creationId xmlns:p14="http://schemas.microsoft.com/office/powerpoint/2010/main" val="626645409"/>
+      </p:ext>
+    </p:extLst>
+  </p:cSld>
+  <p:clrMapOvr>
+    <a:masterClrMapping/>
+  </p:clrMapOvr>
+</p:sld>
+</file>
+
+<file path=ppt/slides/slide11.xml><?xml version="1.0" encoding="utf-8"?>
+<p:sld xmlns:a="http://schemas.openxmlformats.org/drawingml/2006/main" xmlns:r="http://schemas.openxmlformats.org/officeDocument/2006/relationships" xmlns:p="http://schemas.openxmlformats.org/presentationml/2006/main">
+  <p:cSld>
+    <p:spTree>
+      <p:nvGrpSpPr>
+        <p:cNvPr id="1" name=""/>
+        <p:cNvGrpSpPr/>
+        <p:nvPr/>
+      </p:nvGrpSpPr>
+      <p:grpSpPr>
+        <a:xfrm>
+          <a:off x="0" y="0"/>
+          <a:ext cx="0" cy="0"/>
+          <a:chOff x="0" y="0"/>
+          <a:chExt cx="0" cy="0"/>
+        </a:xfrm>
+      </p:grpSpPr>
+      <p:sp>
+        <p:nvSpPr>
+          <p:cNvPr id="2" name="Прямоугольник 1">
+            <a:extLst>
+              <a:ext uri="{FF2B5EF4-FFF2-40B4-BE49-F238E27FC236}">
                 <a16:creationId xmlns="" xmlns:a16="http://schemas.microsoft.com/office/drawing/2014/main" id="{BA23C297-1872-4AB0-9DB8-7FB6BF3A564F}"/>
               </a:ext>
             </a:extLst>
@@ -4470,7 +4538,7 @@
         <p:spPr>
           <a:xfrm>
             <a:off x="798014" y="1403654"/>
-            <a:ext cx="10595666" cy="2862322"/>
+            <a:ext cx="10595666" cy="3477875"/>
           </a:xfrm>
           <a:prstGeom prst="rect">
             <a:avLst/>
@@ -4491,7 +4559,27 @@
                 <a:latin typeface="Arial" panose="020B0604020202020204" pitchFamily="34" charset="0"/>
                 <a:cs typeface="Arial" panose="020B0604020202020204" pitchFamily="34" charset="0"/>
               </a:rPr>
-              <a:t>В результате учебной практики был проведен анализ предметной области, спроектирована и разработана информационная система «Ремонт пассажирских вагонов», серверная часть которой была реализована в MS </a:t>
+              <a:t>В результате учебной практики был проведен анализ предметной области, спроектирована и разработана информационная система </a:t>
+            </a:r>
+            <a:r>
+              <a:rPr lang="ru-RU" sz="2000" dirty="0" smtClean="0">
+                <a:solidFill>
+                  <a:srgbClr val="000000"/>
+                </a:solidFill>
+                <a:latin typeface="Arial" panose="020B0604020202020204" pitchFamily="34" charset="0"/>
+                <a:cs typeface="Arial" panose="020B0604020202020204" pitchFamily="34" charset="0"/>
+              </a:rPr>
+              <a:t>«Учет личного состава», </a:t>
+            </a:r>
+            <a:r>
+              <a:rPr lang="ru-RU" sz="2000" dirty="0">
+                <a:solidFill>
+                  <a:srgbClr val="000000"/>
+                </a:solidFill>
+                <a:latin typeface="Arial" panose="020B0604020202020204" pitchFamily="34" charset="0"/>
+                <a:cs typeface="Arial" panose="020B0604020202020204" pitchFamily="34" charset="0"/>
+              </a:rPr>
+              <a:t>серверная часть которой была реализована в MS </a:t>
             </a:r>
             <a:r>
               <a:rPr lang="en-US" sz="2000" dirty="0">
@@ -4533,6 +4621,23 @@
               </a:rPr>
               <a:t>. </a:t>
             </a:r>
+            <a:endParaRPr lang="ru-RU" sz="2000" dirty="0" smtClean="0">
+              <a:solidFill>
+                <a:srgbClr val="000000"/>
+              </a:solidFill>
+              <a:latin typeface="Arial" panose="020B0604020202020204" pitchFamily="34" charset="0"/>
+              <a:cs typeface="Arial" panose="020B0604020202020204" pitchFamily="34" charset="0"/>
+            </a:endParaRPr>
+          </a:p>
+          <a:p>
+            <a:pPr indent="457200" algn="just"/>
+            <a:endParaRPr lang="ru-RU" sz="2000" dirty="0">
+              <a:solidFill>
+                <a:srgbClr val="000000"/>
+              </a:solidFill>
+              <a:latin typeface="Arial" panose="020B0604020202020204" pitchFamily="34" charset="0"/>
+              <a:cs typeface="Arial" panose="020B0604020202020204" pitchFamily="34" charset="0"/>
+            </a:endParaRPr>
           </a:p>
           <a:p>
             <a:pPr indent="457200" algn="just"/>
@@ -4551,8 +4656,22 @@
                 <a:latin typeface="Arial" pitchFamily="34" charset="0"/>
                 <a:cs typeface="Arial" pitchFamily="34" charset="0"/>
               </a:rPr>
-              <a:t>разработки и проектирования информационной системы, способствующей оптимизации работы и обеспечивающей высокий уровень безопасности и качества обслуживания пассажирского транспорта.</a:t>
-            </a:r>
+              <a:t>разработки и проектирования информационной системы, способствующей оптимизации работы и обеспечивающей высокий уровень безопасности и качества обслуживания пассажирского транспорта</a:t>
+            </a:r>
+            <a:r>
+              <a:rPr lang="ru-RU" sz="2000" dirty="0" smtClean="0">
+                <a:latin typeface="Arial" pitchFamily="34" charset="0"/>
+                <a:cs typeface="Arial" pitchFamily="34" charset="0"/>
+              </a:rPr>
+              <a:t>.</a:t>
+            </a:r>
+          </a:p>
+          <a:p>
+            <a:pPr indent="457200" algn="just"/>
+            <a:endParaRPr lang="ru-RU" sz="2000" dirty="0">
+              <a:latin typeface="Arial" pitchFamily="34" charset="0"/>
+              <a:cs typeface="Arial" pitchFamily="34" charset="0"/>
+            </a:endParaRPr>
           </a:p>
           <a:p>
             <a:pPr indent="457200" algn="just"/>
@@ -4613,7 +4732,7 @@
         </p:nvSpPr>
         <p:spPr>
           <a:xfrm>
-            <a:off x="263624" y="463733"/>
+            <a:off x="263624" y="216598"/>
             <a:ext cx="6864443" cy="584775"/>
           </a:xfrm>
           <a:prstGeom prst="rect">
@@ -4650,7 +4769,7 @@
         </p:nvSpPr>
         <p:spPr>
           <a:xfrm>
-            <a:off x="798014" y="1403654"/>
+            <a:off x="674446" y="983524"/>
             <a:ext cx="10595666" cy="1015663"/>
           </a:xfrm>
           <a:prstGeom prst="rect">
@@ -4688,8 +4807,8 @@
         </p:nvSpPr>
         <p:spPr>
           <a:xfrm>
-            <a:off x="798014" y="2774463"/>
-            <a:ext cx="10595666" cy="3477875"/>
+            <a:off x="798014" y="2044318"/>
+            <a:ext cx="10595666" cy="3785652"/>
           </a:xfrm>
           <a:prstGeom prst="rect">
             <a:avLst/>
@@ -4710,8 +4829,28 @@
                 <a:latin typeface="Arial" pitchFamily="34" charset="0"/>
                 <a:cs typeface="Arial" panose="020B0604020202020204" pitchFamily="34" charset="0"/>
               </a:rPr>
-              <a:t>Основные задачи учебной практики:</a:t>
-            </a:r>
+              <a:t>Основные задачи учебной практики</a:t>
+            </a:r>
+            <a:r>
+              <a:rPr lang="ru-RU" sz="2000" dirty="0" smtClean="0">
+                <a:solidFill>
+                  <a:srgbClr val="000000"/>
+                </a:solidFill>
+                <a:latin typeface="Arial" pitchFamily="34" charset="0"/>
+                <a:cs typeface="Arial" panose="020B0604020202020204" pitchFamily="34" charset="0"/>
+              </a:rPr>
+              <a:t>:</a:t>
+            </a:r>
+          </a:p>
+          <a:p>
+            <a:pPr indent="457200"/>
+            <a:endParaRPr lang="ru-RU" sz="2000" dirty="0">
+              <a:solidFill>
+                <a:srgbClr val="000000"/>
+              </a:solidFill>
+              <a:latin typeface="Arial" pitchFamily="34" charset="0"/>
+              <a:cs typeface="Arial" panose="020B0604020202020204" pitchFamily="34" charset="0"/>
+            </a:endParaRPr>
           </a:p>
           <a:p>
             <a:pPr lvl="0" indent="457200">
@@ -4818,7 +4957,7 @@
         </p:nvSpPr>
         <p:spPr>
           <a:xfrm>
-            <a:off x="239873" y="368438"/>
+            <a:off x="239873" y="220157"/>
             <a:ext cx="5688224" cy="584775"/>
           </a:xfrm>
           <a:prstGeom prst="rect">
@@ -4908,6 +5047,70 @@
           </a:p>
         </p:txBody>
       </p:sp>
+      <p:pic>
+        <p:nvPicPr>
+          <p:cNvPr id="1026" name="Picture 2"/>
+          <p:cNvPicPr>
+            <a:picLocks noChangeAspect="1" noChangeArrowheads="1"/>
+          </p:cNvPicPr>
+          <p:nvPr/>
+        </p:nvPicPr>
+        <p:blipFill>
+          <a:blip r:embed="rId2">
+            <a:extLst>
+              <a:ext uri="{28A0092B-C50C-407E-A947-70E740481C1C}">
+                <a14:useLocalDpi xmlns:a14="http://schemas.microsoft.com/office/drawing/2010/main" val="0"/>
+              </a:ext>
+            </a:extLst>
+          </a:blip>
+          <a:srcRect/>
+          <a:stretch>
+            <a:fillRect/>
+          </a:stretch>
+        </p:blipFill>
+        <p:spPr bwMode="auto">
+          <a:xfrm>
+            <a:off x="704335" y="1040155"/>
+            <a:ext cx="4704574" cy="5136980"/>
+          </a:xfrm>
+          <a:prstGeom prst="rect">
+            <a:avLst/>
+          </a:prstGeom>
+          <a:noFill/>
+          <a:ln>
+            <a:noFill/>
+          </a:ln>
+          <a:effectLst/>
+          <a:extLst>
+            <a:ext uri="{909E8E84-426E-40DD-AFC4-6F175D3DCCD1}">
+              <a14:hiddenFill xmlns:a14="http://schemas.microsoft.com/office/drawing/2010/main">
+                <a:solidFill>
+                  <a:schemeClr val="accent1"/>
+                </a:solidFill>
+              </a14:hiddenFill>
+            </a:ext>
+            <a:ext uri="{91240B29-F687-4F45-9708-019B960494DF}">
+              <a14:hiddenLine xmlns:a14="http://schemas.microsoft.com/office/drawing/2010/main" w="9525">
+                <a:solidFill>
+                  <a:schemeClr val="tx1"/>
+                </a:solidFill>
+                <a:miter lim="800000"/>
+                <a:headEnd/>
+                <a:tailEnd/>
+              </a14:hiddenLine>
+            </a:ext>
+            <a:ext uri="{AF507438-7753-43E0-B8FC-AC1667EBCBE1}">
+              <a14:hiddenEffects xmlns:a14="http://schemas.microsoft.com/office/drawing/2010/main">
+                <a:effectLst>
+                  <a:outerShdw dist="35921" dir="2700000" algn="ctr" rotWithShape="0">
+                    <a:schemeClr val="bg2"/>
+                  </a:outerShdw>
+                </a:effectLst>
+              </a14:hiddenEffects>
+            </a:ext>
+          </a:extLst>
+        </p:spPr>
+      </p:pic>
     </p:spTree>
     <p:extLst>
       <p:ext uri="{BB962C8B-B14F-4D97-AF65-F5344CB8AC3E}">
@@ -4975,6 +5178,70 @@
           </a:p>
         </p:txBody>
       </p:sp>
+      <p:pic>
+        <p:nvPicPr>
+          <p:cNvPr id="2050" name="Picture 2"/>
+          <p:cNvPicPr>
+            <a:picLocks noChangeAspect="1" noChangeArrowheads="1"/>
+          </p:cNvPicPr>
+          <p:nvPr/>
+        </p:nvPicPr>
+        <p:blipFill>
+          <a:blip r:embed="rId2">
+            <a:extLst>
+              <a:ext uri="{28A0092B-C50C-407E-A947-70E740481C1C}">
+                <a14:useLocalDpi xmlns:a14="http://schemas.microsoft.com/office/drawing/2010/main" val="0"/>
+              </a:ext>
+            </a:extLst>
+          </a:blip>
+          <a:srcRect/>
+          <a:stretch>
+            <a:fillRect/>
+          </a:stretch>
+        </p:blipFill>
+        <p:spPr bwMode="auto">
+          <a:xfrm>
+            <a:off x="720254" y="1013253"/>
+            <a:ext cx="9069387" cy="5117457"/>
+          </a:xfrm>
+          <a:prstGeom prst="rect">
+            <a:avLst/>
+          </a:prstGeom>
+          <a:noFill/>
+          <a:ln>
+            <a:noFill/>
+          </a:ln>
+          <a:effectLst/>
+          <a:extLst>
+            <a:ext uri="{909E8E84-426E-40DD-AFC4-6F175D3DCCD1}">
+              <a14:hiddenFill xmlns:a14="http://schemas.microsoft.com/office/drawing/2010/main">
+                <a:solidFill>
+                  <a:schemeClr val="accent1"/>
+                </a:solidFill>
+              </a14:hiddenFill>
+            </a:ext>
+            <a:ext uri="{91240B29-F687-4F45-9708-019B960494DF}">
+              <a14:hiddenLine xmlns:a14="http://schemas.microsoft.com/office/drawing/2010/main" w="9525">
+                <a:solidFill>
+                  <a:schemeClr val="tx1"/>
+                </a:solidFill>
+                <a:miter lim="800000"/>
+                <a:headEnd/>
+                <a:tailEnd/>
+              </a14:hiddenLine>
+            </a:ext>
+            <a:ext uri="{AF507438-7753-43E0-B8FC-AC1667EBCBE1}">
+              <a14:hiddenEffects xmlns:a14="http://schemas.microsoft.com/office/drawing/2010/main">
+                <a:effectLst>
+                  <a:outerShdw dist="35921" dir="2700000" algn="ctr" rotWithShape="0">
+                    <a:schemeClr val="bg2"/>
+                  </a:outerShdw>
+                </a:effectLst>
+              </a14:hiddenEffects>
+            </a:ext>
+          </a:extLst>
+        </p:spPr>
+      </p:pic>
     </p:spTree>
     <p:extLst>
       <p:ext uri="{BB962C8B-B14F-4D97-AF65-F5344CB8AC3E}">
@@ -5020,7 +5287,7 @@
         <p:spPr>
           <a:xfrm>
             <a:off x="216123" y="273435"/>
-            <a:ext cx="6526467" cy="584775"/>
+            <a:ext cx="3627403" cy="584775"/>
           </a:xfrm>
           <a:prstGeom prst="rect">
             <a:avLst/>
@@ -5033,15 +5300,83 @@
           <a:lstStyle/>
           <a:p>
             <a:r>
-              <a:rPr lang="ru-RU" sz="3200" b="1" dirty="0">
+              <a:rPr lang="ru-RU" sz="3200" b="1" dirty="0" smtClean="0">
                 <a:latin typeface="Arial" panose="020B0604020202020204" pitchFamily="34" charset="0"/>
                 <a:cs typeface="Arial" panose="020B0604020202020204" pitchFamily="34" charset="0"/>
               </a:rPr>
-              <a:t>Структурная схема программы</a:t>
-            </a:r>
-          </a:p>
-        </p:txBody>
-      </p:sp>
+              <a:t>Карта переходов</a:t>
+            </a:r>
+            <a:endParaRPr lang="ru-RU" sz="3200" b="1" dirty="0">
+              <a:latin typeface="Arial" panose="020B0604020202020204" pitchFamily="34" charset="0"/>
+              <a:cs typeface="Arial" panose="020B0604020202020204" pitchFamily="34" charset="0"/>
+            </a:endParaRPr>
+          </a:p>
+        </p:txBody>
+      </p:sp>
+      <p:pic>
+        <p:nvPicPr>
+          <p:cNvPr id="3075" name="Picture 3"/>
+          <p:cNvPicPr>
+            <a:picLocks noChangeAspect="1" noChangeArrowheads="1"/>
+          </p:cNvPicPr>
+          <p:nvPr/>
+        </p:nvPicPr>
+        <p:blipFill>
+          <a:blip r:embed="rId2">
+            <a:extLst>
+              <a:ext uri="{28A0092B-C50C-407E-A947-70E740481C1C}">
+                <a14:useLocalDpi xmlns:a14="http://schemas.microsoft.com/office/drawing/2010/main" val="0"/>
+              </a:ext>
+            </a:extLst>
+          </a:blip>
+          <a:srcRect/>
+          <a:stretch>
+            <a:fillRect/>
+          </a:stretch>
+        </p:blipFill>
+        <p:spPr bwMode="auto">
+          <a:xfrm>
+            <a:off x="2434367" y="858210"/>
+            <a:ext cx="8308695" cy="5362832"/>
+          </a:xfrm>
+          <a:prstGeom prst="rect">
+            <a:avLst/>
+          </a:prstGeom>
+          <a:noFill/>
+          <a:ln>
+            <a:noFill/>
+          </a:ln>
+          <a:effectLst/>
+          <a:extLst>
+            <a:ext uri="{909E8E84-426E-40DD-AFC4-6F175D3DCCD1}">
+              <a14:hiddenFill xmlns:a14="http://schemas.microsoft.com/office/drawing/2010/main">
+                <a:solidFill>
+                  <a:schemeClr val="accent1"/>
+                </a:solidFill>
+              </a14:hiddenFill>
+            </a:ext>
+            <a:ext uri="{91240B29-F687-4F45-9708-019B960494DF}">
+              <a14:hiddenLine xmlns:a14="http://schemas.microsoft.com/office/drawing/2010/main" w="9525">
+                <a:solidFill>
+                  <a:schemeClr val="tx1"/>
+                </a:solidFill>
+                <a:miter lim="800000"/>
+                <a:headEnd/>
+                <a:tailEnd/>
+              </a14:hiddenLine>
+            </a:ext>
+            <a:ext uri="{AF507438-7753-43E0-B8FC-AC1667EBCBE1}">
+              <a14:hiddenEffects xmlns:a14="http://schemas.microsoft.com/office/drawing/2010/main">
+                <a:effectLst>
+                  <a:outerShdw dist="35921" dir="2700000" algn="ctr" rotWithShape="0">
+                    <a:schemeClr val="bg2"/>
+                  </a:outerShdw>
+                </a:effectLst>
+              </a14:hiddenEffects>
+            </a:ext>
+          </a:extLst>
+        </p:spPr>
+      </p:pic>
     </p:spTree>
     <p:extLst>
       <p:ext uri="{BB962C8B-B14F-4D97-AF65-F5344CB8AC3E}">
@@ -5109,6 +5444,87 @@
           </a:p>
         </p:txBody>
       </p:sp>
+      <p:pic>
+        <p:nvPicPr>
+          <p:cNvPr id="6" name="Рисунок 5"/>
+          <p:cNvPicPr/>
+          <p:nvPr/>
+        </p:nvPicPr>
+        <p:blipFill>
+          <a:blip r:embed="rId2"/>
+          <a:stretch>
+            <a:fillRect/>
+          </a:stretch>
+        </p:blipFill>
+        <p:spPr>
+          <a:xfrm>
+            <a:off x="2390775" y="4905693"/>
+            <a:ext cx="9029065" cy="1200785"/>
+          </a:xfrm>
+          <a:prstGeom prst="rect">
+            <a:avLst/>
+          </a:prstGeom>
+          <a:ln>
+            <a:solidFill>
+              <a:schemeClr val="tx1"/>
+            </a:solidFill>
+          </a:ln>
+        </p:spPr>
+      </p:pic>
+      <p:pic>
+        <p:nvPicPr>
+          <p:cNvPr id="7" name="Рисунок 6"/>
+          <p:cNvPicPr/>
+          <p:nvPr/>
+        </p:nvPicPr>
+        <p:blipFill>
+          <a:blip r:embed="rId3"/>
+          <a:stretch>
+            <a:fillRect/>
+          </a:stretch>
+        </p:blipFill>
+        <p:spPr>
+          <a:xfrm>
+            <a:off x="460375" y="1238250"/>
+            <a:ext cx="8020050" cy="1612900"/>
+          </a:xfrm>
+          <a:prstGeom prst="rect">
+            <a:avLst/>
+          </a:prstGeom>
+          <a:ln>
+            <a:solidFill>
+              <a:schemeClr val="tx1"/>
+            </a:solidFill>
+          </a:ln>
+        </p:spPr>
+      </p:pic>
+      <p:pic>
+        <p:nvPicPr>
+          <p:cNvPr id="11" name="Рисунок 10"/>
+          <p:cNvPicPr/>
+          <p:nvPr/>
+        </p:nvPicPr>
+        <p:blipFill>
+          <a:blip r:embed="rId4"/>
+          <a:stretch>
+            <a:fillRect/>
+          </a:stretch>
+        </p:blipFill>
+        <p:spPr>
+          <a:xfrm>
+            <a:off x="718502" y="3238500"/>
+            <a:ext cx="9644698" cy="1297940"/>
+          </a:xfrm>
+          <a:prstGeom prst="rect">
+            <a:avLst/>
+          </a:prstGeom>
+          <a:ln>
+            <a:solidFill>
+              <a:schemeClr val="tx1"/>
+            </a:solidFill>
+          </a:ln>
+        </p:spPr>
+      </p:pic>
     </p:spTree>
     <p:extLst>
       <p:ext uri="{BB962C8B-B14F-4D97-AF65-F5344CB8AC3E}">
@@ -5141,10 +5557,10 @@
       </p:grpSpPr>
       <p:sp>
         <p:nvSpPr>
-          <p:cNvPr id="2" name="Прямоугольник 1">
+          <p:cNvPr id="4" name="Прямоугольник 3">
             <a:extLst>
               <a:ext uri="{FF2B5EF4-FFF2-40B4-BE49-F238E27FC236}">
-                <a16:creationId xmlns="" xmlns:a16="http://schemas.microsoft.com/office/drawing/2014/main" id="{7A46A4CB-CCF0-4677-BF30-24573D3388F6}"/>
+                <a16:creationId xmlns="" xmlns:a16="http://schemas.microsoft.com/office/drawing/2014/main" id="{E6715CFA-5E89-4E56-8101-47F62CFE001F}"/>
               </a:ext>
             </a:extLst>
           </p:cNvPr>
@@ -5153,8 +5569,8 @@
         </p:nvSpPr>
         <p:spPr>
           <a:xfrm>
-            <a:off x="239874" y="249685"/>
-            <a:ext cx="8808373" cy="584775"/>
+            <a:off x="192372" y="225934"/>
+            <a:ext cx="8879610" cy="584775"/>
           </a:xfrm>
           <a:prstGeom prst="rect">
             <a:avLst/>
@@ -5171,15 +5587,96 @@
                 <a:latin typeface="Arial" panose="020B0604020202020204" pitchFamily="34" charset="0"/>
                 <a:cs typeface="Arial" panose="020B0604020202020204" pitchFamily="34" charset="0"/>
               </a:rPr>
-              <a:t>Разработка клиентской части приложения</a:t>
-            </a:r>
-          </a:p>
-        </p:txBody>
-      </p:sp>
+              <a:t>Разработка серверной части базы данных</a:t>
+            </a:r>
+          </a:p>
+        </p:txBody>
+      </p:sp>
+      <p:pic>
+        <p:nvPicPr>
+          <p:cNvPr id="5" name="Рисунок 4"/>
+          <p:cNvPicPr/>
+          <p:nvPr/>
+        </p:nvPicPr>
+        <p:blipFill>
+          <a:blip r:embed="rId2"/>
+          <a:stretch>
+            <a:fillRect/>
+          </a:stretch>
+        </p:blipFill>
+        <p:spPr>
+          <a:xfrm>
+            <a:off x="322951" y="974090"/>
+            <a:ext cx="4985649" cy="2213610"/>
+          </a:xfrm>
+          <a:prstGeom prst="rect">
+            <a:avLst/>
+          </a:prstGeom>
+          <a:ln>
+            <a:solidFill>
+              <a:schemeClr val="tx1"/>
+            </a:solidFill>
+          </a:ln>
+        </p:spPr>
+      </p:pic>
+      <p:pic>
+        <p:nvPicPr>
+          <p:cNvPr id="9" name="Рисунок 8"/>
+          <p:cNvPicPr/>
+          <p:nvPr/>
+        </p:nvPicPr>
+        <p:blipFill>
+          <a:blip r:embed="rId3"/>
+          <a:stretch>
+            <a:fillRect/>
+          </a:stretch>
+        </p:blipFill>
+        <p:spPr>
+          <a:xfrm>
+            <a:off x="473447" y="3704908"/>
+            <a:ext cx="8598535" cy="2070100"/>
+          </a:xfrm>
+          <a:prstGeom prst="rect">
+            <a:avLst/>
+          </a:prstGeom>
+          <a:ln>
+            <a:solidFill>
+              <a:schemeClr val="tx1"/>
+            </a:solidFill>
+          </a:ln>
+        </p:spPr>
+      </p:pic>
+      <p:pic>
+        <p:nvPicPr>
+          <p:cNvPr id="10" name="Рисунок 9"/>
+          <p:cNvPicPr/>
+          <p:nvPr/>
+        </p:nvPicPr>
+        <p:blipFill>
+          <a:blip r:embed="rId4"/>
+          <a:stretch>
+            <a:fillRect/>
+          </a:stretch>
+        </p:blipFill>
+        <p:spPr>
+          <a:xfrm>
+            <a:off x="7366000" y="974090"/>
+            <a:ext cx="4064000" cy="2213610"/>
+          </a:xfrm>
+          <a:prstGeom prst="rect">
+            <a:avLst/>
+          </a:prstGeom>
+          <a:ln>
+            <a:solidFill>
+              <a:schemeClr val="tx1"/>
+            </a:solidFill>
+          </a:ln>
+        </p:spPr>
+      </p:pic>
     </p:spTree>
     <p:extLst>
       <p:ext uri="{BB962C8B-B14F-4D97-AF65-F5344CB8AC3E}">
-        <p14:creationId xmlns:p14="http://schemas.microsoft.com/office/powerpoint/2010/main" val="626645409"/>
+        <p14:creationId xmlns:p14="http://schemas.microsoft.com/office/powerpoint/2010/main" val="3234559515"/>
       </p:ext>
     </p:extLst>
   </p:cSld>
@@ -5208,10 +5705,10 @@
       </p:grpSpPr>
       <p:sp>
         <p:nvSpPr>
-          <p:cNvPr id="5" name="Прямоугольник 4">
+          <p:cNvPr id="4" name="Прямоугольник 3">
             <a:extLst>
               <a:ext uri="{FF2B5EF4-FFF2-40B4-BE49-F238E27FC236}">
-                <a16:creationId xmlns="" xmlns:a16="http://schemas.microsoft.com/office/drawing/2014/main" id="{D9AAC76B-EF50-49B9-9858-14C0C7EF0714}"/>
+                <a16:creationId xmlns="" xmlns:a16="http://schemas.microsoft.com/office/drawing/2014/main" id="{E6715CFA-5E89-4E56-8101-47F62CFE001F}"/>
               </a:ext>
             </a:extLst>
           </p:cNvPr>
@@ -5220,36 +5717,109 @@
         </p:nvSpPr>
         <p:spPr>
           <a:xfrm>
-            <a:off x="214126" y="227197"/>
-            <a:ext cx="4963516" cy="584775"/>
+            <a:off x="192372" y="225934"/>
+            <a:ext cx="8879610" cy="584775"/>
           </a:xfrm>
           <a:prstGeom prst="rect">
             <a:avLst/>
           </a:prstGeom>
         </p:spPr>
         <p:txBody>
-          <a:bodyPr wrap="square">
+          <a:bodyPr wrap="none">
             <a:spAutoFit/>
           </a:bodyPr>
           <a:lstStyle/>
           <a:p>
             <a:r>
-              <a:rPr lang="ru-RU" sz="3200" dirty="0">
-                <a:solidFill>
-                  <a:srgbClr val="000000"/>
-                </a:solidFill>
-                <a:latin typeface="Arial" pitchFamily="34" charset="0"/>
+              <a:rPr lang="ru-RU" sz="3200" b="1" dirty="0">
+                <a:latin typeface="Arial" panose="020B0604020202020204" pitchFamily="34" charset="0"/>
                 <a:cs typeface="Arial" panose="020B0604020202020204" pitchFamily="34" charset="0"/>
               </a:rPr>
-              <a:t>Форма Администратора</a:t>
-            </a:r>
-          </a:p>
-        </p:txBody>
-      </p:sp>
+              <a:t>Разработка серверной части базы данных</a:t>
+            </a:r>
+          </a:p>
+        </p:txBody>
+      </p:sp>
+      <p:pic>
+        <p:nvPicPr>
+          <p:cNvPr id="7" name="Рисунок 6"/>
+          <p:cNvPicPr/>
+          <p:nvPr/>
+        </p:nvPicPr>
+        <p:blipFill>
+          <a:blip r:embed="rId2"/>
+          <a:stretch>
+            <a:fillRect/>
+          </a:stretch>
+        </p:blipFill>
+        <p:spPr>
+          <a:xfrm>
+            <a:off x="621030" y="1356995"/>
+            <a:ext cx="7774940" cy="2072005"/>
+          </a:xfrm>
+          <a:prstGeom prst="rect">
+            <a:avLst/>
+          </a:prstGeom>
+        </p:spPr>
+      </p:pic>
+      <p:pic>
+        <p:nvPicPr>
+          <p:cNvPr id="8" name="Рисунок 7"/>
+          <p:cNvPicPr/>
+          <p:nvPr/>
+        </p:nvPicPr>
+        <p:blipFill>
+          <a:blip r:embed="rId3"/>
+          <a:stretch>
+            <a:fillRect/>
+          </a:stretch>
+        </p:blipFill>
+        <p:spPr>
+          <a:xfrm>
+            <a:off x="8928101" y="2623184"/>
+            <a:ext cx="2596038" cy="2672716"/>
+          </a:xfrm>
+          <a:prstGeom prst="rect">
+            <a:avLst/>
+          </a:prstGeom>
+          <a:ln>
+            <a:solidFill>
+              <a:schemeClr val="tx1"/>
+            </a:solidFill>
+          </a:ln>
+        </p:spPr>
+      </p:pic>
+      <p:pic>
+        <p:nvPicPr>
+          <p:cNvPr id="11" name="Рисунок 10"/>
+          <p:cNvPicPr/>
+          <p:nvPr/>
+        </p:nvPicPr>
+        <p:blipFill>
+          <a:blip r:embed="rId2"/>
+          <a:stretch>
+            <a:fillRect/>
+          </a:stretch>
+        </p:blipFill>
+        <p:spPr>
+          <a:xfrm>
+            <a:off x="744707" y="1356994"/>
+            <a:ext cx="7774940" cy="2072005"/>
+          </a:xfrm>
+          <a:prstGeom prst="rect">
+            <a:avLst/>
+          </a:prstGeom>
+          <a:ln>
+            <a:solidFill>
+              <a:schemeClr val="tx1"/>
+            </a:solidFill>
+          </a:ln>
+        </p:spPr>
+      </p:pic>
     </p:spTree>
     <p:extLst>
       <p:ext uri="{BB962C8B-B14F-4D97-AF65-F5344CB8AC3E}">
-        <p14:creationId xmlns:p14="http://schemas.microsoft.com/office/powerpoint/2010/main" val="357606174"/>
+        <p14:creationId xmlns:p14="http://schemas.microsoft.com/office/powerpoint/2010/main" val="3077234580"/>
       </p:ext>
     </p:extLst>
   </p:cSld>
@@ -5490,7 +6060,7 @@
   <a:extraClrSchemeLst/>
   <a:extLst>
     <a:ext uri="{05A4C25C-085E-4340-85A3-A5531E510DB2}">
-      <thm15:themeFamily xmlns:thm15="http://schemas.microsoft.com/office/thememl/2012/main" name="Basis" id="{5665723A-49BA-4B57-8411-A56F8F207965}" vid="{90E45F77-AEFC-46EF-A7C1-5B338C297B02}"/>
+      <thm15:themeFamily xmlns="" xmlns:thm15="http://schemas.microsoft.com/office/thememl/2012/main" name="Basis" id="{5665723A-49BA-4B57-8411-A56F8F207965}" vid="{90E45F77-AEFC-46EF-A7C1-5B338C297B02}"/>
     </a:ext>
   </a:extLst>
 </a:theme>
